--- a/db.pptx
+++ b/db.pptx
@@ -10,7 +10,6 @@
     <p:sldId id="258" r:id="rId4"/>
     <p:sldId id="259" r:id="rId5"/>
     <p:sldId id="260" r:id="rId6"/>
-    <p:sldId id="261" r:id="rId7"/>
   </p:sldIdLst>
   <p:sldSz cx="12192000" cy="6858000"/>
   <p:notesSz cx="6858000" cy="9144000"/>
@@ -109,6 +108,11 @@
       </a:defRPr>
     </a:lvl9pPr>
   </p:defaultTextStyle>
+  <p:extLst>
+    <p:ext uri="{EFAFB233-063F-42B5-8137-9DF3F51BA10A}">
+      <p15:sldGuideLst xmlns:p15="http://schemas.microsoft.com/office/powerpoint/2012/main"/>
+    </p:ext>
+  </p:extLst>
 </p:presentation>
 </file>
 
@@ -4559,32 +4563,41 @@
         </p:nvSpPr>
         <p:spPr/>
         <p:txBody>
-          <a:bodyPr/>
-          <a:lstStyle/>
-          <a:p>
-            <a:r>
-              <a:rPr lang="zh-CN" altLang="en-US" dirty="0"/>
+          <a:bodyPr>
+            <a:normAutofit/>
+          </a:bodyPr>
+          <a:lstStyle/>
+          <a:p>
+            <a:endParaRPr lang="en-US" altLang="zh-CN" sz="2400" dirty="0"/>
+          </a:p>
+          <a:p>
+            <a:r>
+              <a:rPr lang="en-US" altLang="zh-CN" sz="2400" dirty="0"/>
+              <a:t>    </a:t>
+            </a:r>
+            <a:r>
+              <a:rPr lang="zh-CN" altLang="en-US" sz="2400" dirty="0"/>
               <a:t>培养</a:t>
             </a:r>
             <a:r>
-              <a:rPr lang="en-US" altLang="zh-CN" dirty="0"/>
+              <a:rPr lang="en-US" altLang="zh-CN" sz="2400" dirty="0"/>
               <a:t>2024</a:t>
             </a:r>
             <a:r>
-              <a:rPr lang="zh-CN" altLang="en-US" dirty="0"/>
+              <a:rPr lang="zh-CN" altLang="en-US" sz="2400" dirty="0"/>
               <a:t>级新成员</a:t>
             </a:r>
-            <a:endParaRPr lang="en-US" altLang="zh-CN" dirty="0"/>
-          </a:p>
-          <a:p>
-            <a:r>
-              <a:rPr lang="en-US" altLang="zh-CN" dirty="0"/>
-              <a:t> </a:t>
-            </a:r>
-            <a:r>
-              <a:rPr lang="zh-CN" altLang="en-US" dirty="0"/>
-              <a:t>为萃英在线网技部出一份力</a:t>
-            </a:r>
+            <a:endParaRPr lang="en-US" altLang="zh-CN" sz="2400" dirty="0"/>
+          </a:p>
+          <a:p>
+            <a:endParaRPr lang="en-US" altLang="zh-CN" sz="2400" dirty="0"/>
+          </a:p>
+          <a:p>
+            <a:r>
+              <a:rPr lang="zh-CN" altLang="en-US" sz="2400" dirty="0"/>
+              <a:t>    积极参与项目开发与维护</a:t>
+            </a:r>
+            <a:endParaRPr lang="en-US" altLang="zh-CN" sz="2400" dirty="0"/>
           </a:p>
         </p:txBody>
       </p:sp>
@@ -4592,90 +4605,6 @@
     <p:extLst>
       <p:ext uri="{BB962C8B-B14F-4D97-AF65-F5344CB8AC3E}">
         <p14:creationId xmlns:p14="http://schemas.microsoft.com/office/powerpoint/2010/main" val="1123925441"/>
-      </p:ext>
-    </p:extLst>
-  </p:cSld>
-  <p:clrMapOvr>
-    <a:masterClrMapping/>
-  </p:clrMapOvr>
-</p:sld>
-</file>
-
-<file path=ppt/slides/slide6.xml><?xml version="1.0" encoding="utf-8"?>
-<p:sld xmlns:a="http://schemas.openxmlformats.org/drawingml/2006/main" xmlns:r="http://schemas.openxmlformats.org/officeDocument/2006/relationships" xmlns:p="http://schemas.openxmlformats.org/presentationml/2006/main">
-  <p:cSld>
-    <p:spTree>
-      <p:nvGrpSpPr>
-        <p:cNvPr id="1" name=""/>
-        <p:cNvGrpSpPr/>
-        <p:nvPr/>
-      </p:nvGrpSpPr>
-      <p:grpSpPr>
-        <a:xfrm>
-          <a:off x="0" y="0"/>
-          <a:ext cx="0" cy="0"/>
-          <a:chOff x="0" y="0"/>
-          <a:chExt cx="0" cy="0"/>
-        </a:xfrm>
-      </p:grpSpPr>
-      <p:sp>
-        <p:nvSpPr>
-          <p:cNvPr id="2" name="标题 1">
-            <a:extLst>
-              <a:ext uri="{FF2B5EF4-FFF2-40B4-BE49-F238E27FC236}">
-                <a16:creationId xmlns:a16="http://schemas.microsoft.com/office/drawing/2014/main" id="{2990C3C8-536F-A629-C816-907774094211}"/>
-              </a:ext>
-            </a:extLst>
-          </p:cNvPr>
-          <p:cNvSpPr>
-            <a:spLocks noGrp="1"/>
-          </p:cNvSpPr>
-          <p:nvPr>
-            <p:ph type="title"/>
-          </p:nvPr>
-        </p:nvSpPr>
-        <p:spPr/>
-        <p:txBody>
-          <a:bodyPr/>
-          <a:lstStyle/>
-          <a:p>
-            <a:r>
-              <a:rPr lang="en-US" altLang="zh-CN" dirty="0"/>
-              <a:t>end</a:t>
-            </a:r>
-            <a:endParaRPr lang="zh-CN" altLang="en-US" dirty="0"/>
-          </a:p>
-        </p:txBody>
-      </p:sp>
-      <p:sp>
-        <p:nvSpPr>
-          <p:cNvPr id="3" name="内容占位符 2">
-            <a:extLst>
-              <a:ext uri="{FF2B5EF4-FFF2-40B4-BE49-F238E27FC236}">
-                <a16:creationId xmlns:a16="http://schemas.microsoft.com/office/drawing/2014/main" id="{6DB5BDB1-31E8-BFA2-EAA7-19FBD844CA42}"/>
-              </a:ext>
-            </a:extLst>
-          </p:cNvPr>
-          <p:cNvSpPr>
-            <a:spLocks noGrp="1"/>
-          </p:cNvSpPr>
-          <p:nvPr>
-            <p:ph idx="1"/>
-          </p:nvPr>
-        </p:nvSpPr>
-        <p:spPr/>
-        <p:txBody>
-          <a:bodyPr/>
-          <a:lstStyle/>
-          <a:p>
-            <a:endParaRPr lang="zh-CN" altLang="en-US"/>
-          </a:p>
-        </p:txBody>
-      </p:sp>
-    </p:spTree>
-    <p:extLst>
-      <p:ext uri="{BB962C8B-B14F-4D97-AF65-F5344CB8AC3E}">
-        <p14:creationId xmlns:p14="http://schemas.microsoft.com/office/powerpoint/2010/main" val="2344392154"/>
       </p:ext>
     </p:extLst>
   </p:cSld>
